--- a/CalendarioAgo21/Presentaciones/8_NAT.pptx
+++ b/CalendarioAgo21/Presentaciones/8_NAT.pptx
@@ -227,7 +227,7 @@
           <a:p>
             <a:fld id="{2D445F07-8756-451B-A938-0248325FC7BB}" type="datetimeFigureOut">
               <a:rPr lang="es-MX" smtClean="0"/>
-              <a:t>31/10/2021</a:t>
+              <a:t>03/11/2021</a:t>
             </a:fld>
             <a:endParaRPr lang="es-MX" dirty="0"/>
           </a:p>
@@ -1352,7 +1352,7 @@
           <a:p>
             <a:fld id="{5E75A0DC-66C6-4CEC-A5EB-F8C97CEC3796}" type="datetimeFigureOut">
               <a:rPr lang="es-MX" smtClean="0"/>
-              <a:t>31/10/2021</a:t>
+              <a:t>03/11/2021</a:t>
             </a:fld>
             <a:endParaRPr lang="es-MX" dirty="0"/>
           </a:p>
@@ -1522,7 +1522,7 @@
           <a:p>
             <a:fld id="{5E75A0DC-66C6-4CEC-A5EB-F8C97CEC3796}" type="datetimeFigureOut">
               <a:rPr lang="es-MX" smtClean="0"/>
-              <a:t>31/10/2021</a:t>
+              <a:t>03/11/2021</a:t>
             </a:fld>
             <a:endParaRPr lang="es-MX" dirty="0"/>
           </a:p>
@@ -1702,7 +1702,7 @@
           <a:p>
             <a:fld id="{5E75A0DC-66C6-4CEC-A5EB-F8C97CEC3796}" type="datetimeFigureOut">
               <a:rPr lang="es-MX" smtClean="0"/>
-              <a:t>31/10/2021</a:t>
+              <a:t>03/11/2021</a:t>
             </a:fld>
             <a:endParaRPr lang="es-MX" dirty="0"/>
           </a:p>
@@ -1872,7 +1872,7 @@
           <a:p>
             <a:fld id="{5E75A0DC-66C6-4CEC-A5EB-F8C97CEC3796}" type="datetimeFigureOut">
               <a:rPr lang="es-MX" smtClean="0"/>
-              <a:t>31/10/2021</a:t>
+              <a:t>03/11/2021</a:t>
             </a:fld>
             <a:endParaRPr lang="es-MX" dirty="0"/>
           </a:p>
@@ -2118,7 +2118,7 @@
           <a:p>
             <a:fld id="{5E75A0DC-66C6-4CEC-A5EB-F8C97CEC3796}" type="datetimeFigureOut">
               <a:rPr lang="es-MX" smtClean="0"/>
-              <a:t>31/10/2021</a:t>
+              <a:t>03/11/2021</a:t>
             </a:fld>
             <a:endParaRPr lang="es-MX" dirty="0"/>
           </a:p>
@@ -2406,7 +2406,7 @@
           <a:p>
             <a:fld id="{5E75A0DC-66C6-4CEC-A5EB-F8C97CEC3796}" type="datetimeFigureOut">
               <a:rPr lang="es-MX" smtClean="0"/>
-              <a:t>31/10/2021</a:t>
+              <a:t>03/11/2021</a:t>
             </a:fld>
             <a:endParaRPr lang="es-MX" dirty="0"/>
           </a:p>
@@ -2828,7 +2828,7 @@
           <a:p>
             <a:fld id="{5E75A0DC-66C6-4CEC-A5EB-F8C97CEC3796}" type="datetimeFigureOut">
               <a:rPr lang="es-MX" smtClean="0"/>
-              <a:t>31/10/2021</a:t>
+              <a:t>03/11/2021</a:t>
             </a:fld>
             <a:endParaRPr lang="es-MX" dirty="0"/>
           </a:p>
@@ -2946,7 +2946,7 @@
           <a:p>
             <a:fld id="{5E75A0DC-66C6-4CEC-A5EB-F8C97CEC3796}" type="datetimeFigureOut">
               <a:rPr lang="es-MX" smtClean="0"/>
-              <a:t>31/10/2021</a:t>
+              <a:t>03/11/2021</a:t>
             </a:fld>
             <a:endParaRPr lang="es-MX" dirty="0"/>
           </a:p>
@@ -3041,7 +3041,7 @@
           <a:p>
             <a:fld id="{5E75A0DC-66C6-4CEC-A5EB-F8C97CEC3796}" type="datetimeFigureOut">
               <a:rPr lang="es-MX" smtClean="0"/>
-              <a:t>31/10/2021</a:t>
+              <a:t>03/11/2021</a:t>
             </a:fld>
             <a:endParaRPr lang="es-MX" dirty="0"/>
           </a:p>
@@ -3318,7 +3318,7 @@
           <a:p>
             <a:fld id="{5E75A0DC-66C6-4CEC-A5EB-F8C97CEC3796}" type="datetimeFigureOut">
               <a:rPr lang="es-MX" smtClean="0"/>
-              <a:t>31/10/2021</a:t>
+              <a:t>03/11/2021</a:t>
             </a:fld>
             <a:endParaRPr lang="es-MX" dirty="0"/>
           </a:p>
@@ -3571,7 +3571,7 @@
           <a:p>
             <a:fld id="{5E75A0DC-66C6-4CEC-A5EB-F8C97CEC3796}" type="datetimeFigureOut">
               <a:rPr lang="es-MX" smtClean="0"/>
-              <a:t>31/10/2021</a:t>
+              <a:t>03/11/2021</a:t>
             </a:fld>
             <a:endParaRPr lang="es-MX" dirty="0"/>
           </a:p>
@@ -3784,7 +3784,7 @@
           <a:p>
             <a:fld id="{5E75A0DC-66C6-4CEC-A5EB-F8C97CEC3796}" type="datetimeFigureOut">
               <a:rPr lang="es-MX" smtClean="0"/>
-              <a:t>31/10/2021</a:t>
+              <a:t>03/11/2021</a:t>
             </a:fld>
             <a:endParaRPr lang="es-MX" dirty="0"/>
           </a:p>
@@ -8640,7 +8640,7 @@
                 <a:latin typeface="Arial" panose="020B0604020202020204" pitchFamily="34" charset="0"/>
                 <a:cs typeface="Arial" panose="020B0604020202020204" pitchFamily="34" charset="0"/>
               </a:rPr>
-              <a:t>muchas direcciones IP privadas con una dirección IP pública</a:t>
+              <a:t>muchas direcciones IP privadas con pocas direcciones IP públicas</a:t>
             </a:r>
             <a:r>
               <a:rPr lang="es-ES" sz="1400" dirty="0">
@@ -8830,8 +8830,8 @@
         </p:nvSpPr>
         <p:spPr bwMode="auto">
           <a:xfrm>
-            <a:off x="247907" y="980728"/>
-            <a:ext cx="8356541" cy="3863109"/>
+            <a:off x="323528" y="1128319"/>
+            <a:ext cx="8356541" cy="4170885"/>
           </a:xfrm>
           <a:prstGeom prst="rect">
             <a:avLst/>
@@ -9490,7 +9490,7 @@
                 <a:latin typeface="Arial" panose="020B0604020202020204" pitchFamily="34" charset="0"/>
                 <a:cs typeface="Arial" panose="020B0604020202020204" pitchFamily="34" charset="0"/>
               </a:rPr>
-              <a:t> privadas contra una dirección IP pública</a:t>
+              <a:t> privadas contra una o pocas direcciones IP públicas</a:t>
             </a:r>
             <a:r>
               <a:rPr lang="es-MX" sz="1600" dirty="0">
@@ -9845,7 +9845,7 @@
         </p:nvSpPr>
         <p:spPr bwMode="auto">
           <a:xfrm>
-            <a:off x="755576" y="4581128"/>
+            <a:off x="826333" y="5013176"/>
             <a:ext cx="7848872" cy="1021883"/>
           </a:xfrm>
           <a:prstGeom prst="rect">
@@ -10032,7 +10032,7 @@
                 <a:latin typeface="Arial" panose="020B0604020202020204" pitchFamily="34" charset="0"/>
                 <a:cs typeface="Arial" panose="020B0604020202020204" pitchFamily="34" charset="0"/>
               </a:rPr>
-              <a:t>muchas direcciones IP privadas con una dirección IP públicas</a:t>
+              <a:t>muchas direcciones IP privadas con una o pocas direcciones IP públicas</a:t>
             </a:r>
             <a:r>
               <a:rPr lang="es-ES" sz="1400" dirty="0">
@@ -12612,7 +12612,7 @@
           <a:graphicData uri="http://schemas.openxmlformats.org/presentationml/2006/ole">
             <mc:AlternateContent xmlns:mc="http://schemas.openxmlformats.org/markup-compatibility/2006">
               <mc:Choice xmlns:v="urn:schemas-microsoft-com:vml" Requires="v">
-                <p:oleObj spid="_x0000_s1075" name="Bitmap Image" r:id="rId4" imgW="1819280" imgH="2552567" progId="PBrush">
+                <p:oleObj spid="_x0000_s1081" name="Bitmap Image" r:id="rId4" imgW="1819280" imgH="2552567" progId="PBrush">
                   <p:embed/>
                 </p:oleObj>
               </mc:Choice>
@@ -17460,42 +17460,6 @@
               </a:rPr>
               <a:t>Configuración mínima de un servicio DHCP</a:t>
             </a:r>
-          </a:p>
-        </p:txBody>
-      </p:sp>
-      <p:sp>
-        <p:nvSpPr>
-          <p:cNvPr id="4" name="CuadroTexto 3">
-            <a:extLst>
-              <a:ext uri="{FF2B5EF4-FFF2-40B4-BE49-F238E27FC236}">
-                <a16:creationId xmlns:a16="http://schemas.microsoft.com/office/drawing/2014/main" id="{7F478D4A-3ADD-4EA4-9F3E-8AFB0EE728B8}"/>
-              </a:ext>
-            </a:extLst>
-          </p:cNvPr>
-          <p:cNvSpPr txBox="1"/>
-          <p:nvPr/>
-        </p:nvSpPr>
-        <p:spPr>
-          <a:xfrm>
-            <a:off x="5468724" y="2428369"/>
-            <a:ext cx="479618" cy="369332"/>
-          </a:xfrm>
-          <a:prstGeom prst="rect">
-            <a:avLst/>
-          </a:prstGeom>
-          <a:noFill/>
-        </p:spPr>
-        <p:txBody>
-          <a:bodyPr wrap="none" rtlCol="0">
-            <a:spAutoFit/>
-          </a:bodyPr>
-          <a:lstStyle/>
-          <a:p>
-            <a:r>
-              <a:rPr lang="es-ES" b="1" dirty="0"/>
-              <a:t>.67</a:t>
-            </a:r>
-            <a:endParaRPr lang="es-MX" b="1" dirty="0"/>
           </a:p>
         </p:txBody>
       </p:sp>

--- a/CalendarioAgo21/Presentaciones/8_NAT.pptx
+++ b/CalendarioAgo21/Presentaciones/8_NAT.pptx
@@ -227,7 +227,7 @@
           <a:p>
             <a:fld id="{2D445F07-8756-451B-A938-0248325FC7BB}" type="datetimeFigureOut">
               <a:rPr lang="es-MX" smtClean="0"/>
-              <a:t>03/11/2021</a:t>
+              <a:t>07/11/2021</a:t>
             </a:fld>
             <a:endParaRPr lang="es-MX" dirty="0"/>
           </a:p>
@@ -1352,7 +1352,7 @@
           <a:p>
             <a:fld id="{5E75A0DC-66C6-4CEC-A5EB-F8C97CEC3796}" type="datetimeFigureOut">
               <a:rPr lang="es-MX" smtClean="0"/>
-              <a:t>03/11/2021</a:t>
+              <a:t>07/11/2021</a:t>
             </a:fld>
             <a:endParaRPr lang="es-MX" dirty="0"/>
           </a:p>
@@ -1522,7 +1522,7 @@
           <a:p>
             <a:fld id="{5E75A0DC-66C6-4CEC-A5EB-F8C97CEC3796}" type="datetimeFigureOut">
               <a:rPr lang="es-MX" smtClean="0"/>
-              <a:t>03/11/2021</a:t>
+              <a:t>07/11/2021</a:t>
             </a:fld>
             <a:endParaRPr lang="es-MX" dirty="0"/>
           </a:p>
@@ -1702,7 +1702,7 @@
           <a:p>
             <a:fld id="{5E75A0DC-66C6-4CEC-A5EB-F8C97CEC3796}" type="datetimeFigureOut">
               <a:rPr lang="es-MX" smtClean="0"/>
-              <a:t>03/11/2021</a:t>
+              <a:t>07/11/2021</a:t>
             </a:fld>
             <a:endParaRPr lang="es-MX" dirty="0"/>
           </a:p>
@@ -1872,7 +1872,7 @@
           <a:p>
             <a:fld id="{5E75A0DC-66C6-4CEC-A5EB-F8C97CEC3796}" type="datetimeFigureOut">
               <a:rPr lang="es-MX" smtClean="0"/>
-              <a:t>03/11/2021</a:t>
+              <a:t>07/11/2021</a:t>
             </a:fld>
             <a:endParaRPr lang="es-MX" dirty="0"/>
           </a:p>
@@ -2118,7 +2118,7 @@
           <a:p>
             <a:fld id="{5E75A0DC-66C6-4CEC-A5EB-F8C97CEC3796}" type="datetimeFigureOut">
               <a:rPr lang="es-MX" smtClean="0"/>
-              <a:t>03/11/2021</a:t>
+              <a:t>07/11/2021</a:t>
             </a:fld>
             <a:endParaRPr lang="es-MX" dirty="0"/>
           </a:p>
@@ -2406,7 +2406,7 @@
           <a:p>
             <a:fld id="{5E75A0DC-66C6-4CEC-A5EB-F8C97CEC3796}" type="datetimeFigureOut">
               <a:rPr lang="es-MX" smtClean="0"/>
-              <a:t>03/11/2021</a:t>
+              <a:t>07/11/2021</a:t>
             </a:fld>
             <a:endParaRPr lang="es-MX" dirty="0"/>
           </a:p>
@@ -2828,7 +2828,7 @@
           <a:p>
             <a:fld id="{5E75A0DC-66C6-4CEC-A5EB-F8C97CEC3796}" type="datetimeFigureOut">
               <a:rPr lang="es-MX" smtClean="0"/>
-              <a:t>03/11/2021</a:t>
+              <a:t>07/11/2021</a:t>
             </a:fld>
             <a:endParaRPr lang="es-MX" dirty="0"/>
           </a:p>
@@ -2946,7 +2946,7 @@
           <a:p>
             <a:fld id="{5E75A0DC-66C6-4CEC-A5EB-F8C97CEC3796}" type="datetimeFigureOut">
               <a:rPr lang="es-MX" smtClean="0"/>
-              <a:t>03/11/2021</a:t>
+              <a:t>07/11/2021</a:t>
             </a:fld>
             <a:endParaRPr lang="es-MX" dirty="0"/>
           </a:p>
@@ -3041,7 +3041,7 @@
           <a:p>
             <a:fld id="{5E75A0DC-66C6-4CEC-A5EB-F8C97CEC3796}" type="datetimeFigureOut">
               <a:rPr lang="es-MX" smtClean="0"/>
-              <a:t>03/11/2021</a:t>
+              <a:t>07/11/2021</a:t>
             </a:fld>
             <a:endParaRPr lang="es-MX" dirty="0"/>
           </a:p>
@@ -3318,7 +3318,7 @@
           <a:p>
             <a:fld id="{5E75A0DC-66C6-4CEC-A5EB-F8C97CEC3796}" type="datetimeFigureOut">
               <a:rPr lang="es-MX" smtClean="0"/>
-              <a:t>03/11/2021</a:t>
+              <a:t>07/11/2021</a:t>
             </a:fld>
             <a:endParaRPr lang="es-MX" dirty="0"/>
           </a:p>
@@ -3571,7 +3571,7 @@
           <a:p>
             <a:fld id="{5E75A0DC-66C6-4CEC-A5EB-F8C97CEC3796}" type="datetimeFigureOut">
               <a:rPr lang="es-MX" smtClean="0"/>
-              <a:t>03/11/2021</a:t>
+              <a:t>07/11/2021</a:t>
             </a:fld>
             <a:endParaRPr lang="es-MX" dirty="0"/>
           </a:p>
@@ -3784,7 +3784,7 @@
           <a:p>
             <a:fld id="{5E75A0DC-66C6-4CEC-A5EB-F8C97CEC3796}" type="datetimeFigureOut">
               <a:rPr lang="es-MX" smtClean="0"/>
-              <a:t>03/11/2021</a:t>
+              <a:t>07/11/2021</a:t>
             </a:fld>
             <a:endParaRPr lang="es-MX" dirty="0"/>
           </a:p>
@@ -12612,7 +12612,7 @@
           <a:graphicData uri="http://schemas.openxmlformats.org/presentationml/2006/ole">
             <mc:AlternateContent xmlns:mc="http://schemas.openxmlformats.org/markup-compatibility/2006">
               <mc:Choice xmlns:v="urn:schemas-microsoft-com:vml" Requires="v">
-                <p:oleObj spid="_x0000_s1081" name="Bitmap Image" r:id="rId4" imgW="1819280" imgH="2552567" progId="PBrush">
+                <p:oleObj spid="_x0000_s1082" name="Bitmap Image" r:id="rId4" imgW="1819280" imgH="2552567" progId="PBrush">
                   <p:embed/>
                 </p:oleObj>
               </mc:Choice>
